--- a/lab_sessions/final assignment/Report_figures.pptx
+++ b/lab_sessions/final assignment/Report_figures.pptx
@@ -262,7 +262,7 @@
           <a:p>
             <a:fld id="{78462F42-246B-4069-BAD1-A28570A0FE0A}" type="datetimeFigureOut">
               <a:rPr lang="en-GB" smtClean="0"/>
-              <a:t>11/06/2021</a:t>
+              <a:t>16/06/2021</a:t>
             </a:fld>
             <a:endParaRPr lang="en-GB"/>
           </a:p>
@@ -462,7 +462,7 @@
           <a:p>
             <a:fld id="{78462F42-246B-4069-BAD1-A28570A0FE0A}" type="datetimeFigureOut">
               <a:rPr lang="en-GB" smtClean="0"/>
-              <a:t>11/06/2021</a:t>
+              <a:t>16/06/2021</a:t>
             </a:fld>
             <a:endParaRPr lang="en-GB"/>
           </a:p>
@@ -672,7 +672,7 @@
           <a:p>
             <a:fld id="{78462F42-246B-4069-BAD1-A28570A0FE0A}" type="datetimeFigureOut">
               <a:rPr lang="en-GB" smtClean="0"/>
-              <a:t>11/06/2021</a:t>
+              <a:t>16/06/2021</a:t>
             </a:fld>
             <a:endParaRPr lang="en-GB"/>
           </a:p>
@@ -872,7 +872,7 @@
           <a:p>
             <a:fld id="{78462F42-246B-4069-BAD1-A28570A0FE0A}" type="datetimeFigureOut">
               <a:rPr lang="en-GB" smtClean="0"/>
-              <a:t>11/06/2021</a:t>
+              <a:t>16/06/2021</a:t>
             </a:fld>
             <a:endParaRPr lang="en-GB"/>
           </a:p>
@@ -1148,7 +1148,7 @@
           <a:p>
             <a:fld id="{78462F42-246B-4069-BAD1-A28570A0FE0A}" type="datetimeFigureOut">
               <a:rPr lang="en-GB" smtClean="0"/>
-              <a:t>11/06/2021</a:t>
+              <a:t>16/06/2021</a:t>
             </a:fld>
             <a:endParaRPr lang="en-GB"/>
           </a:p>
@@ -1416,7 +1416,7 @@
           <a:p>
             <a:fld id="{78462F42-246B-4069-BAD1-A28570A0FE0A}" type="datetimeFigureOut">
               <a:rPr lang="en-GB" smtClean="0"/>
-              <a:t>11/06/2021</a:t>
+              <a:t>16/06/2021</a:t>
             </a:fld>
             <a:endParaRPr lang="en-GB"/>
           </a:p>
@@ -1831,7 +1831,7 @@
           <a:p>
             <a:fld id="{78462F42-246B-4069-BAD1-A28570A0FE0A}" type="datetimeFigureOut">
               <a:rPr lang="en-GB" smtClean="0"/>
-              <a:t>11/06/2021</a:t>
+              <a:t>16/06/2021</a:t>
             </a:fld>
             <a:endParaRPr lang="en-GB"/>
           </a:p>
@@ -1973,7 +1973,7 @@
           <a:p>
             <a:fld id="{78462F42-246B-4069-BAD1-A28570A0FE0A}" type="datetimeFigureOut">
               <a:rPr lang="en-GB" smtClean="0"/>
-              <a:t>11/06/2021</a:t>
+              <a:t>16/06/2021</a:t>
             </a:fld>
             <a:endParaRPr lang="en-GB"/>
           </a:p>
@@ -2086,7 +2086,7 @@
           <a:p>
             <a:fld id="{78462F42-246B-4069-BAD1-A28570A0FE0A}" type="datetimeFigureOut">
               <a:rPr lang="en-GB" smtClean="0"/>
-              <a:t>11/06/2021</a:t>
+              <a:t>16/06/2021</a:t>
             </a:fld>
             <a:endParaRPr lang="en-GB"/>
           </a:p>
@@ -2399,7 +2399,7 @@
           <a:p>
             <a:fld id="{78462F42-246B-4069-BAD1-A28570A0FE0A}" type="datetimeFigureOut">
               <a:rPr lang="en-GB" smtClean="0"/>
-              <a:t>11/06/2021</a:t>
+              <a:t>16/06/2021</a:t>
             </a:fld>
             <a:endParaRPr lang="en-GB"/>
           </a:p>
@@ -2688,7 +2688,7 @@
           <a:p>
             <a:fld id="{78462F42-246B-4069-BAD1-A28570A0FE0A}" type="datetimeFigureOut">
               <a:rPr lang="en-GB" smtClean="0"/>
-              <a:t>11/06/2021</a:t>
+              <a:t>16/06/2021</a:t>
             </a:fld>
             <a:endParaRPr lang="en-GB"/>
           </a:p>
@@ -2931,7 +2931,7 @@
           <a:p>
             <a:fld id="{78462F42-246B-4069-BAD1-A28570A0FE0A}" type="datetimeFigureOut">
               <a:rPr lang="en-GB" smtClean="0"/>
-              <a:t>11/06/2021</a:t>
+              <a:t>16/06/2021</a:t>
             </a:fld>
             <a:endParaRPr lang="en-GB"/>
           </a:p>
@@ -6346,46 +6346,46 @@
         </p:nvSpPr>
         <p:spPr>
           <a:xfrm>
-            <a:off x="8791576" y="2628780"/>
-            <a:ext cx="2886073" cy="1846659"/>
+            <a:off x="8791576" y="2505669"/>
+            <a:ext cx="2886073" cy="2092881"/>
           </a:xfrm>
           <a:custGeom>
             <a:avLst/>
             <a:gdLst>
               <a:gd name="connsiteX0" fmla="*/ 0 w 2886073"/>
-              <a:gd name="connsiteY0" fmla="*/ 0 h 1846659"/>
+              <a:gd name="connsiteY0" fmla="*/ 0 h 2092881"/>
               <a:gd name="connsiteX1" fmla="*/ 606075 w 2886073"/>
-              <a:gd name="connsiteY1" fmla="*/ 0 h 1846659"/>
+              <a:gd name="connsiteY1" fmla="*/ 0 h 2092881"/>
               <a:gd name="connsiteX2" fmla="*/ 1125568 w 2886073"/>
-              <a:gd name="connsiteY2" fmla="*/ 0 h 1846659"/>
+              <a:gd name="connsiteY2" fmla="*/ 0 h 2092881"/>
               <a:gd name="connsiteX3" fmla="*/ 1673922 w 2886073"/>
-              <a:gd name="connsiteY3" fmla="*/ 0 h 1846659"/>
+              <a:gd name="connsiteY3" fmla="*/ 0 h 2092881"/>
               <a:gd name="connsiteX4" fmla="*/ 2251137 w 2886073"/>
-              <a:gd name="connsiteY4" fmla="*/ 0 h 1846659"/>
+              <a:gd name="connsiteY4" fmla="*/ 0 h 2092881"/>
               <a:gd name="connsiteX5" fmla="*/ 2886073 w 2886073"/>
-              <a:gd name="connsiteY5" fmla="*/ 0 h 1846659"/>
+              <a:gd name="connsiteY5" fmla="*/ 0 h 2092881"/>
               <a:gd name="connsiteX6" fmla="*/ 2886073 w 2886073"/>
-              <a:gd name="connsiteY6" fmla="*/ 597086 h 1846659"/>
+              <a:gd name="connsiteY6" fmla="*/ 676698 h 2092881"/>
               <a:gd name="connsiteX7" fmla="*/ 2886073 w 2886073"/>
-              <a:gd name="connsiteY7" fmla="*/ 1231106 h 1846659"/>
+              <a:gd name="connsiteY7" fmla="*/ 1395254 h 2092881"/>
               <a:gd name="connsiteX8" fmla="*/ 2886073 w 2886073"/>
-              <a:gd name="connsiteY8" fmla="*/ 1846659 h 1846659"/>
+              <a:gd name="connsiteY8" fmla="*/ 2092881 h 2092881"/>
               <a:gd name="connsiteX9" fmla="*/ 2395441 w 2886073"/>
-              <a:gd name="connsiteY9" fmla="*/ 1846659 h 1846659"/>
+              <a:gd name="connsiteY9" fmla="*/ 2092881 h 2092881"/>
               <a:gd name="connsiteX10" fmla="*/ 1875947 w 2886073"/>
-              <a:gd name="connsiteY10" fmla="*/ 1846659 h 1846659"/>
+              <a:gd name="connsiteY10" fmla="*/ 2092881 h 2092881"/>
               <a:gd name="connsiteX11" fmla="*/ 1298733 w 2886073"/>
-              <a:gd name="connsiteY11" fmla="*/ 1846659 h 1846659"/>
+              <a:gd name="connsiteY11" fmla="*/ 2092881 h 2092881"/>
               <a:gd name="connsiteX12" fmla="*/ 808100 w 2886073"/>
-              <a:gd name="connsiteY12" fmla="*/ 1846659 h 1846659"/>
+              <a:gd name="connsiteY12" fmla="*/ 2092881 h 2092881"/>
               <a:gd name="connsiteX13" fmla="*/ 0 w 2886073"/>
-              <a:gd name="connsiteY13" fmla="*/ 1846659 h 1846659"/>
+              <a:gd name="connsiteY13" fmla="*/ 2092881 h 2092881"/>
               <a:gd name="connsiteX14" fmla="*/ 0 w 2886073"/>
-              <a:gd name="connsiteY14" fmla="*/ 1194173 h 1846659"/>
+              <a:gd name="connsiteY14" fmla="*/ 1353396 h 2092881"/>
               <a:gd name="connsiteX15" fmla="*/ 0 w 2886073"/>
-              <a:gd name="connsiteY15" fmla="*/ 634020 h 1846659"/>
+              <a:gd name="connsiteY15" fmla="*/ 718556 h 2092881"/>
               <a:gd name="connsiteX16" fmla="*/ 0 w 2886073"/>
-              <a:gd name="connsiteY16" fmla="*/ 0 h 1846659"/>
+              <a:gd name="connsiteY16" fmla="*/ 0 h 2092881"/>
             </a:gdLst>
             <a:ahLst/>
             <a:cxnLst>
@@ -6443,7 +6443,7 @@
             </a:cxnLst>
             <a:rect l="l" t="t" r="r" b="b"/>
             <a:pathLst>
-              <a:path w="2886073" h="1846659" fill="none" extrusionOk="0">
+              <a:path w="2886073" h="2092881" fill="none" extrusionOk="0">
                 <a:moveTo>
                   <a:pt x="0" y="0"/>
                 </a:moveTo>
@@ -6473,63 +6473,63 @@
                   <a:pt x="2886073" y="0"/>
                 </a:cubicBezTo>
                 <a:cubicBezTo>
-                  <a:pt x="2861183" y="125714"/>
-                  <a:pt x="2911118" y="418458"/>
-                  <a:pt x="2886073" y="597086"/>
-                </a:cubicBezTo>
-                <a:cubicBezTo>
-                  <a:pt x="2861028" y="775714"/>
-                  <a:pt x="2915477" y="943316"/>
-                  <a:pt x="2886073" y="1231106"/>
-                </a:cubicBezTo>
-                <a:cubicBezTo>
-                  <a:pt x="2856669" y="1518896"/>
-                  <a:pt x="2890519" y="1663493"/>
-                  <a:pt x="2886073" y="1846659"/>
-                </a:cubicBezTo>
-                <a:cubicBezTo>
-                  <a:pt x="2722119" y="1842887"/>
-                  <a:pt x="2541148" y="1850323"/>
-                  <a:pt x="2395441" y="1846659"/>
-                </a:cubicBezTo>
-                <a:cubicBezTo>
-                  <a:pt x="2249734" y="1842995"/>
-                  <a:pt x="2106411" y="1840155"/>
-                  <a:pt x="1875947" y="1846659"/>
-                </a:cubicBezTo>
-                <a:cubicBezTo>
-                  <a:pt x="1645483" y="1853163"/>
-                  <a:pt x="1464621" y="1855901"/>
-                  <a:pt x="1298733" y="1846659"/>
-                </a:cubicBezTo>
-                <a:cubicBezTo>
-                  <a:pt x="1132845" y="1837417"/>
-                  <a:pt x="952768" y="1853773"/>
-                  <a:pt x="808100" y="1846659"/>
-                </a:cubicBezTo>
-                <a:cubicBezTo>
-                  <a:pt x="663432" y="1839545"/>
-                  <a:pt x="326642" y="1840988"/>
-                  <a:pt x="0" y="1846659"/>
-                </a:cubicBezTo>
-                <a:cubicBezTo>
-                  <a:pt x="6658" y="1560920"/>
-                  <a:pt x="-4716" y="1481086"/>
-                  <a:pt x="0" y="1194173"/>
-                </a:cubicBezTo>
-                <a:cubicBezTo>
-                  <a:pt x="4716" y="907260"/>
-                  <a:pt x="6027" y="805116"/>
-                  <a:pt x="0" y="634020"/>
-                </a:cubicBezTo>
-                <a:cubicBezTo>
-                  <a:pt x="-6027" y="462924"/>
-                  <a:pt x="8660" y="138259"/>
+                  <a:pt x="2891497" y="332354"/>
+                  <a:pt x="2873318" y="494086"/>
+                  <a:pt x="2886073" y="676698"/>
+                </a:cubicBezTo>
+                <a:cubicBezTo>
+                  <a:pt x="2898828" y="859310"/>
+                  <a:pt x="2902797" y="1078709"/>
+                  <a:pt x="2886073" y="1395254"/>
+                </a:cubicBezTo>
+                <a:cubicBezTo>
+                  <a:pt x="2869349" y="1711799"/>
+                  <a:pt x="2862412" y="1905689"/>
+                  <a:pt x="2886073" y="2092881"/>
+                </a:cubicBezTo>
+                <a:cubicBezTo>
+                  <a:pt x="2722119" y="2089109"/>
+                  <a:pt x="2541148" y="2096545"/>
+                  <a:pt x="2395441" y="2092881"/>
+                </a:cubicBezTo>
+                <a:cubicBezTo>
+                  <a:pt x="2249734" y="2089217"/>
+                  <a:pt x="2106411" y="2086377"/>
+                  <a:pt x="1875947" y="2092881"/>
+                </a:cubicBezTo>
+                <a:cubicBezTo>
+                  <a:pt x="1645483" y="2099385"/>
+                  <a:pt x="1464621" y="2102123"/>
+                  <a:pt x="1298733" y="2092881"/>
+                </a:cubicBezTo>
+                <a:cubicBezTo>
+                  <a:pt x="1132845" y="2083639"/>
+                  <a:pt x="952768" y="2099995"/>
+                  <a:pt x="808100" y="2092881"/>
+                </a:cubicBezTo>
+                <a:cubicBezTo>
+                  <a:pt x="663432" y="2085767"/>
+                  <a:pt x="326642" y="2087210"/>
+                  <a:pt x="0" y="2092881"/>
+                </a:cubicBezTo>
+                <a:cubicBezTo>
+                  <a:pt x="6388" y="1855759"/>
+                  <a:pt x="-35446" y="1594628"/>
+                  <a:pt x="0" y="1353396"/>
+                </a:cubicBezTo>
+                <a:cubicBezTo>
+                  <a:pt x="35446" y="1112164"/>
+                  <a:pt x="-31002" y="890142"/>
+                  <a:pt x="0" y="718556"/>
+                </a:cubicBezTo>
+                <a:cubicBezTo>
+                  <a:pt x="31002" y="546970"/>
+                  <a:pt x="34021" y="343723"/>
                   <a:pt x="0" y="0"/>
                 </a:cubicBezTo>
                 <a:close/>
               </a:path>
-              <a:path w="2886073" h="1846659" stroke="0" extrusionOk="0">
+              <a:path w="2886073" h="2092881" stroke="0" extrusionOk="0">
                 <a:moveTo>
                   <a:pt x="0" y="0"/>
                 </a:moveTo>
@@ -6559,58 +6559,58 @@
                   <a:pt x="2886073" y="0"/>
                 </a:cubicBezTo>
                 <a:cubicBezTo>
-                  <a:pt x="2884993" y="212533"/>
-                  <a:pt x="2908689" y="384320"/>
-                  <a:pt x="2886073" y="578620"/>
-                </a:cubicBezTo>
-                <a:cubicBezTo>
-                  <a:pt x="2863457" y="772920"/>
-                  <a:pt x="2891107" y="967542"/>
-                  <a:pt x="2886073" y="1138773"/>
-                </a:cubicBezTo>
-                <a:cubicBezTo>
-                  <a:pt x="2881039" y="1310004"/>
-                  <a:pt x="2856656" y="1561079"/>
-                  <a:pt x="2886073" y="1846659"/>
-                </a:cubicBezTo>
-                <a:cubicBezTo>
-                  <a:pt x="2695004" y="1869379"/>
-                  <a:pt x="2485844" y="1824628"/>
-                  <a:pt x="2337719" y="1846659"/>
-                </a:cubicBezTo>
-                <a:cubicBezTo>
-                  <a:pt x="2189594" y="1868690"/>
-                  <a:pt x="2050294" y="1856302"/>
-                  <a:pt x="1789365" y="1846659"/>
-                </a:cubicBezTo>
-                <a:cubicBezTo>
-                  <a:pt x="1528436" y="1837016"/>
-                  <a:pt x="1496819" y="1872540"/>
-                  <a:pt x="1241011" y="1846659"/>
-                </a:cubicBezTo>
-                <a:cubicBezTo>
-                  <a:pt x="985203" y="1820778"/>
-                  <a:pt x="918252" y="1818204"/>
-                  <a:pt x="634936" y="1846659"/>
-                </a:cubicBezTo>
-                <a:cubicBezTo>
-                  <a:pt x="351620" y="1875114"/>
-                  <a:pt x="154429" y="1843198"/>
-                  <a:pt x="0" y="1846659"/>
-                </a:cubicBezTo>
-                <a:cubicBezTo>
-                  <a:pt x="-25809" y="1629860"/>
-                  <a:pt x="16124" y="1497861"/>
-                  <a:pt x="0" y="1249573"/>
-                </a:cubicBezTo>
-                <a:cubicBezTo>
-                  <a:pt x="-16124" y="1001285"/>
-                  <a:pt x="-2935" y="899209"/>
-                  <a:pt x="0" y="670953"/>
-                </a:cubicBezTo>
-                <a:cubicBezTo>
-                  <a:pt x="2935" y="442697"/>
-                  <a:pt x="-10349" y="206563"/>
+                  <a:pt x="2895815" y="151239"/>
+                  <a:pt x="2910814" y="492612"/>
+                  <a:pt x="2886073" y="655769"/>
+                </a:cubicBezTo>
+                <a:cubicBezTo>
+                  <a:pt x="2861332" y="818926"/>
+                  <a:pt x="2894770" y="1047584"/>
+                  <a:pt x="2886073" y="1290610"/>
+                </a:cubicBezTo>
+                <a:cubicBezTo>
+                  <a:pt x="2877376" y="1533636"/>
+                  <a:pt x="2875705" y="1789659"/>
+                  <a:pt x="2886073" y="2092881"/>
+                </a:cubicBezTo>
+                <a:cubicBezTo>
+                  <a:pt x="2695004" y="2115601"/>
+                  <a:pt x="2485844" y="2070850"/>
+                  <a:pt x="2337719" y="2092881"/>
+                </a:cubicBezTo>
+                <a:cubicBezTo>
+                  <a:pt x="2189594" y="2114912"/>
+                  <a:pt x="2050294" y="2102524"/>
+                  <a:pt x="1789365" y="2092881"/>
+                </a:cubicBezTo>
+                <a:cubicBezTo>
+                  <a:pt x="1528436" y="2083238"/>
+                  <a:pt x="1496819" y="2118762"/>
+                  <a:pt x="1241011" y="2092881"/>
+                </a:cubicBezTo>
+                <a:cubicBezTo>
+                  <a:pt x="985203" y="2067000"/>
+                  <a:pt x="918252" y="2064426"/>
+                  <a:pt x="634936" y="2092881"/>
+                </a:cubicBezTo>
+                <a:cubicBezTo>
+                  <a:pt x="351620" y="2121336"/>
+                  <a:pt x="154429" y="2089420"/>
+                  <a:pt x="0" y="2092881"/>
+                </a:cubicBezTo>
+                <a:cubicBezTo>
+                  <a:pt x="13037" y="1812898"/>
+                  <a:pt x="21915" y="1680416"/>
+                  <a:pt x="0" y="1416183"/>
+                </a:cubicBezTo>
+                <a:cubicBezTo>
+                  <a:pt x="-21915" y="1151950"/>
+                  <a:pt x="6172" y="911981"/>
+                  <a:pt x="0" y="760413"/>
+                </a:cubicBezTo>
+                <a:cubicBezTo>
+                  <a:pt x="-6172" y="608845"/>
+                  <a:pt x="-23665" y="207724"/>
                   <a:pt x="0" y="0"/>
                 </a:cubicBezTo>
                 <a:close/>
@@ -6711,6 +6711,16 @@
             <a:r>
               <a:rPr lang="en-US" sz="1600" i="1" dirty="0"/>
               <a:t>Minimum water level</a:t>
+            </a:r>
+          </a:p>
+          <a:p>
+            <a:pPr marL="285750" indent="-285750">
+              <a:buFont typeface="Arial" panose="020B0604020202020204" pitchFamily="34" charset="0"/>
+              <a:buChar char="•"/>
+            </a:pPr>
+            <a:r>
+              <a:rPr lang="en-US" sz="1600" i="1" dirty="0"/>
+              <a:t>Evacuation Cost</a:t>
             </a:r>
           </a:p>
         </p:txBody>
